--- a/day0/F/resources/graph1.pptx
+++ b/day0/F/resources/graph1.pptx
@@ -104,6 +104,11 @@
       </a:defRPr>
     </a:lvl9pPr>
   </p:defaultTextStyle>
+  <p:extLst>
+    <p:ext uri="{EFAFB233-063F-42B5-8137-9DF3F51BA10A}">
+      <p15:sldGuideLst xmlns:p15="http://schemas.microsoft.com/office/powerpoint/2012/main"/>
+    </p:ext>
+  </p:extLst>
 </p:presentation>
 </file>
 
@@ -3591,7 +3596,7 @@
           <a:p>
             <a:r>
               <a:rPr lang="zh-CN" altLang="en-US" dirty="0"/>
-              <a:t>包含彩蛋的样例</a:t>
+              <a:t>无私馈赠的样例</a:t>
             </a:r>
           </a:p>
         </p:txBody>

--- a/day0/F/resources/graph1.pptx
+++ b/day0/F/resources/graph1.pptx
@@ -259,7 +259,7 @@
           <a:p>
             <a:fld id="{1A001C9E-2E3C-4B09-B750-A32B55039D25}" type="datetimeFigureOut">
               <a:rPr lang="zh-CN" altLang="en-US" smtClean="0"/>
-              <a:t>2021-3-26</a:t>
+              <a:t>2021-5-16</a:t>
             </a:fld>
             <a:endParaRPr lang="zh-CN" altLang="en-US"/>
           </a:p>
@@ -457,7 +457,7 @@
           <a:p>
             <a:fld id="{1A001C9E-2E3C-4B09-B750-A32B55039D25}" type="datetimeFigureOut">
               <a:rPr lang="zh-CN" altLang="en-US" smtClean="0"/>
-              <a:t>2021-3-26</a:t>
+              <a:t>2021-5-16</a:t>
             </a:fld>
             <a:endParaRPr lang="zh-CN" altLang="en-US"/>
           </a:p>
@@ -665,7 +665,7 @@
           <a:p>
             <a:fld id="{1A001C9E-2E3C-4B09-B750-A32B55039D25}" type="datetimeFigureOut">
               <a:rPr lang="zh-CN" altLang="en-US" smtClean="0"/>
-              <a:t>2021-3-26</a:t>
+              <a:t>2021-5-16</a:t>
             </a:fld>
             <a:endParaRPr lang="zh-CN" altLang="en-US"/>
           </a:p>
@@ -863,7 +863,7 @@
           <a:p>
             <a:fld id="{1A001C9E-2E3C-4B09-B750-A32B55039D25}" type="datetimeFigureOut">
               <a:rPr lang="zh-CN" altLang="en-US" smtClean="0"/>
-              <a:t>2021-3-26</a:t>
+              <a:t>2021-5-16</a:t>
             </a:fld>
             <a:endParaRPr lang="zh-CN" altLang="en-US"/>
           </a:p>
@@ -1138,7 +1138,7 @@
           <a:p>
             <a:fld id="{1A001C9E-2E3C-4B09-B750-A32B55039D25}" type="datetimeFigureOut">
               <a:rPr lang="zh-CN" altLang="en-US" smtClean="0"/>
-              <a:t>2021-3-26</a:t>
+              <a:t>2021-5-16</a:t>
             </a:fld>
             <a:endParaRPr lang="zh-CN" altLang="en-US"/>
           </a:p>
@@ -1403,7 +1403,7 @@
           <a:p>
             <a:fld id="{1A001C9E-2E3C-4B09-B750-A32B55039D25}" type="datetimeFigureOut">
               <a:rPr lang="zh-CN" altLang="en-US" smtClean="0"/>
-              <a:t>2021-3-26</a:t>
+              <a:t>2021-5-16</a:t>
             </a:fld>
             <a:endParaRPr lang="zh-CN" altLang="en-US"/>
           </a:p>
@@ -1815,7 +1815,7 @@
           <a:p>
             <a:fld id="{1A001C9E-2E3C-4B09-B750-A32B55039D25}" type="datetimeFigureOut">
               <a:rPr lang="zh-CN" altLang="en-US" smtClean="0"/>
-              <a:t>2021-3-26</a:t>
+              <a:t>2021-5-16</a:t>
             </a:fld>
             <a:endParaRPr lang="zh-CN" altLang="en-US"/>
           </a:p>
@@ -1956,7 +1956,7 @@
           <a:p>
             <a:fld id="{1A001C9E-2E3C-4B09-B750-A32B55039D25}" type="datetimeFigureOut">
               <a:rPr lang="zh-CN" altLang="en-US" smtClean="0"/>
-              <a:t>2021-3-26</a:t>
+              <a:t>2021-5-16</a:t>
             </a:fld>
             <a:endParaRPr lang="zh-CN" altLang="en-US"/>
           </a:p>
@@ -2069,7 +2069,7 @@
           <a:p>
             <a:fld id="{1A001C9E-2E3C-4B09-B750-A32B55039D25}" type="datetimeFigureOut">
               <a:rPr lang="zh-CN" altLang="en-US" smtClean="0"/>
-              <a:t>2021-3-26</a:t>
+              <a:t>2021-5-16</a:t>
             </a:fld>
             <a:endParaRPr lang="zh-CN" altLang="en-US"/>
           </a:p>
@@ -2380,7 +2380,7 @@
           <a:p>
             <a:fld id="{1A001C9E-2E3C-4B09-B750-A32B55039D25}" type="datetimeFigureOut">
               <a:rPr lang="zh-CN" altLang="en-US" smtClean="0"/>
-              <a:t>2021-3-26</a:t>
+              <a:t>2021-5-16</a:t>
             </a:fld>
             <a:endParaRPr lang="zh-CN" altLang="en-US"/>
           </a:p>
@@ -2668,7 +2668,7 @@
           <a:p>
             <a:fld id="{1A001C9E-2E3C-4B09-B750-A32B55039D25}" type="datetimeFigureOut">
               <a:rPr lang="zh-CN" altLang="en-US" smtClean="0"/>
-              <a:t>2021-3-26</a:t>
+              <a:t>2021-5-16</a:t>
             </a:fld>
             <a:endParaRPr lang="zh-CN" altLang="en-US"/>
           </a:p>
@@ -2909,7 +2909,7 @@
           <a:p>
             <a:fld id="{1A001C9E-2E3C-4B09-B750-A32B55039D25}" type="datetimeFigureOut">
               <a:rPr lang="zh-CN" altLang="en-US" smtClean="0"/>
-              <a:t>2021-3-26</a:t>
+              <a:t>2021-5-16</a:t>
             </a:fld>
             <a:endParaRPr lang="zh-CN" altLang="en-US"/>
           </a:p>
@@ -3671,6 +3671,277 @@
           </a:p>
         </p:txBody>
       </p:sp>
+      <p:pic>
+        <p:nvPicPr>
+          <p:cNvPr id="3" name="图片 2">
+            <a:extLst>
+              <a:ext uri="{FF2B5EF4-FFF2-40B4-BE49-F238E27FC236}">
+                <a16:creationId xmlns:a16="http://schemas.microsoft.com/office/drawing/2014/main" id="{D49241ED-0372-4523-A4FF-7C31EA4E02E7}"/>
+              </a:ext>
+            </a:extLst>
+          </p:cNvPr>
+          <p:cNvPicPr>
+            <a:picLocks noChangeAspect="1"/>
+          </p:cNvPicPr>
+          <p:nvPr/>
+        </p:nvPicPr>
+        <p:blipFill>
+          <a:blip r:embed="rId2">
+            <a:extLst>
+              <a:ext uri="{28A0092B-C50C-407E-A947-70E740481C1C}">
+                <a14:useLocalDpi xmlns:a14="http://schemas.microsoft.com/office/drawing/2010/main" val="0"/>
+              </a:ext>
+            </a:extLst>
+          </a:blip>
+          <a:stretch>
+            <a:fillRect/>
+          </a:stretch>
+        </p:blipFill>
+        <p:spPr>
+          <a:xfrm>
+            <a:off x="532917" y="641974"/>
+            <a:ext cx="2755800" cy="1413404"/>
+          </a:xfrm>
+          <a:prstGeom prst="rect">
+            <a:avLst/>
+          </a:prstGeom>
+        </p:spPr>
+      </p:pic>
+      <p:pic>
+        <p:nvPicPr>
+          <p:cNvPr id="16" name="图片 15">
+            <a:extLst>
+              <a:ext uri="{FF2B5EF4-FFF2-40B4-BE49-F238E27FC236}">
+                <a16:creationId xmlns:a16="http://schemas.microsoft.com/office/drawing/2014/main" id="{1EC2CEA5-DB0D-44A3-8F1A-F9334C5612EA}"/>
+              </a:ext>
+            </a:extLst>
+          </p:cNvPr>
+          <p:cNvPicPr>
+            <a:picLocks noChangeAspect="1"/>
+          </p:cNvPicPr>
+          <p:nvPr/>
+        </p:nvPicPr>
+        <p:blipFill>
+          <a:blip r:embed="rId3">
+            <a:extLst>
+              <a:ext uri="{28A0092B-C50C-407E-A947-70E740481C1C}">
+                <a14:useLocalDpi xmlns:a14="http://schemas.microsoft.com/office/drawing/2010/main" val="0"/>
+              </a:ext>
+            </a:extLst>
+          </a:blip>
+          <a:stretch>
+            <a:fillRect/>
+          </a:stretch>
+        </p:blipFill>
+        <p:spPr>
+          <a:xfrm>
+            <a:off x="686848" y="3528235"/>
+            <a:ext cx="1600200" cy="1685925"/>
+          </a:xfrm>
+          <a:prstGeom prst="rect">
+            <a:avLst/>
+          </a:prstGeom>
+        </p:spPr>
+      </p:pic>
+      <p:pic>
+        <p:nvPicPr>
+          <p:cNvPr id="18" name="图片 17">
+            <a:extLst>
+              <a:ext uri="{FF2B5EF4-FFF2-40B4-BE49-F238E27FC236}">
+                <a16:creationId xmlns:a16="http://schemas.microsoft.com/office/drawing/2014/main" id="{B9C9126F-7211-415F-8DF5-5D1E49371F07}"/>
+              </a:ext>
+            </a:extLst>
+          </p:cNvPr>
+          <p:cNvPicPr>
+            <a:picLocks noChangeAspect="1"/>
+          </p:cNvPicPr>
+          <p:nvPr/>
+        </p:nvPicPr>
+        <p:blipFill>
+          <a:blip r:embed="rId4">
+            <a:extLst>
+              <a:ext uri="{28A0092B-C50C-407E-A947-70E740481C1C}">
+                <a14:useLocalDpi xmlns:a14="http://schemas.microsoft.com/office/drawing/2010/main" val="0"/>
+              </a:ext>
+            </a:extLst>
+          </a:blip>
+          <a:stretch>
+            <a:fillRect/>
+          </a:stretch>
+        </p:blipFill>
+        <p:spPr>
+          <a:xfrm>
+            <a:off x="6563381" y="4534365"/>
+            <a:ext cx="2128471" cy="2146663"/>
+          </a:xfrm>
+          <a:prstGeom prst="rect">
+            <a:avLst/>
+          </a:prstGeom>
+        </p:spPr>
+      </p:pic>
+      <p:pic>
+        <p:nvPicPr>
+          <p:cNvPr id="20" name="图片 19">
+            <a:extLst>
+              <a:ext uri="{FF2B5EF4-FFF2-40B4-BE49-F238E27FC236}">
+                <a16:creationId xmlns:a16="http://schemas.microsoft.com/office/drawing/2014/main" id="{11569F6F-377C-41EA-AECD-F45B02C5AEB4}"/>
+              </a:ext>
+            </a:extLst>
+          </p:cNvPr>
+          <p:cNvPicPr>
+            <a:picLocks noChangeAspect="1"/>
+          </p:cNvPicPr>
+          <p:nvPr/>
+        </p:nvPicPr>
+        <p:blipFill>
+          <a:blip r:embed="rId5">
+            <a:extLst>
+              <a:ext uri="{28A0092B-C50C-407E-A947-70E740481C1C}">
+                <a14:useLocalDpi xmlns:a14="http://schemas.microsoft.com/office/drawing/2010/main" val="0"/>
+              </a:ext>
+            </a:extLst>
+          </a:blip>
+          <a:stretch>
+            <a:fillRect/>
+          </a:stretch>
+        </p:blipFill>
+        <p:spPr>
+          <a:xfrm>
+            <a:off x="6853695" y="3464760"/>
+            <a:ext cx="3110859" cy="775832"/>
+          </a:xfrm>
+          <a:prstGeom prst="rect">
+            <a:avLst/>
+          </a:prstGeom>
+        </p:spPr>
+      </p:pic>
+      <p:pic>
+        <p:nvPicPr>
+          <p:cNvPr id="22" name="图片 21">
+            <a:extLst>
+              <a:ext uri="{FF2B5EF4-FFF2-40B4-BE49-F238E27FC236}">
+                <a16:creationId xmlns:a16="http://schemas.microsoft.com/office/drawing/2014/main" id="{AC87CC85-7811-424B-A691-FEF644D59C71}"/>
+              </a:ext>
+            </a:extLst>
+          </p:cNvPr>
+          <p:cNvPicPr>
+            <a:picLocks noChangeAspect="1"/>
+          </p:cNvPicPr>
+          <p:nvPr/>
+        </p:nvPicPr>
+        <p:blipFill>
+          <a:blip r:embed="rId6">
+            <a:extLst>
+              <a:ext uri="{28A0092B-C50C-407E-A947-70E740481C1C}">
+                <a14:useLocalDpi xmlns:a14="http://schemas.microsoft.com/office/drawing/2010/main" val="0"/>
+              </a:ext>
+            </a:extLst>
+          </a:blip>
+          <a:stretch>
+            <a:fillRect/>
+          </a:stretch>
+        </p:blipFill>
+        <p:spPr>
+          <a:xfrm>
+            <a:off x="6918966" y="594877"/>
+            <a:ext cx="2470785" cy="1507598"/>
+          </a:xfrm>
+          <a:prstGeom prst="rect">
+            <a:avLst/>
+          </a:prstGeom>
+        </p:spPr>
+      </p:pic>
+      <p:grpSp>
+        <p:nvGrpSpPr>
+          <p:cNvPr id="24" name="组合 23">
+            <a:extLst>
+              <a:ext uri="{FF2B5EF4-FFF2-40B4-BE49-F238E27FC236}">
+                <a16:creationId xmlns:a16="http://schemas.microsoft.com/office/drawing/2014/main" id="{892876A2-7FD7-47B5-9DBE-9D27D4FDFA09}"/>
+              </a:ext>
+            </a:extLst>
+          </p:cNvPr>
+          <p:cNvGrpSpPr/>
+          <p:nvPr/>
+        </p:nvGrpSpPr>
+        <p:grpSpPr>
+          <a:xfrm>
+            <a:off x="2905220" y="5356758"/>
+            <a:ext cx="1820113" cy="745526"/>
+            <a:chOff x="-1333946" y="2465056"/>
+            <a:chExt cx="1820113" cy="745526"/>
+          </a:xfrm>
+        </p:grpSpPr>
+        <p:pic>
+          <p:nvPicPr>
+            <p:cNvPr id="6" name="图片 5">
+              <a:extLst>
+                <a:ext uri="{FF2B5EF4-FFF2-40B4-BE49-F238E27FC236}">
+                  <a16:creationId xmlns:a16="http://schemas.microsoft.com/office/drawing/2014/main" id="{0A302B0E-9EE9-470C-A9A3-27F13EC286C4}"/>
+                </a:ext>
+              </a:extLst>
+            </p:cNvPr>
+            <p:cNvPicPr>
+              <a:picLocks noChangeAspect="1"/>
+            </p:cNvPicPr>
+            <p:nvPr/>
+          </p:nvPicPr>
+          <p:blipFill rotWithShape="1">
+            <a:blip r:embed="rId7">
+              <a:extLst>
+                <a:ext uri="{28A0092B-C50C-407E-A947-70E740481C1C}">
+                  <a14:useLocalDpi xmlns:a14="http://schemas.microsoft.com/office/drawing/2010/main" val="0"/>
+                </a:ext>
+              </a:extLst>
+            </a:blip>
+            <a:srcRect t="84012" r="40758"/>
+            <a:stretch/>
+          </p:blipFill>
+          <p:spPr>
+            <a:xfrm>
+              <a:off x="-1333946" y="2837819"/>
+              <a:ext cx="1820112" cy="372763"/>
+            </a:xfrm>
+            <a:prstGeom prst="rect">
+              <a:avLst/>
+            </a:prstGeom>
+          </p:spPr>
+        </p:pic>
+        <p:pic>
+          <p:nvPicPr>
+            <p:cNvPr id="23" name="图片 22">
+              <a:extLst>
+                <a:ext uri="{FF2B5EF4-FFF2-40B4-BE49-F238E27FC236}">
+                  <a16:creationId xmlns:a16="http://schemas.microsoft.com/office/drawing/2014/main" id="{6407ED10-59DB-4CEE-ADAC-42867B5F22D1}"/>
+                </a:ext>
+              </a:extLst>
+            </p:cNvPr>
+            <p:cNvPicPr>
+              <a:picLocks noChangeAspect="1"/>
+            </p:cNvPicPr>
+            <p:nvPr/>
+          </p:nvPicPr>
+          <p:blipFill rotWithShape="1">
+            <a:blip r:embed="rId7">
+              <a:extLst>
+                <a:ext uri="{28A0092B-C50C-407E-A947-70E740481C1C}">
+                  <a14:useLocalDpi xmlns:a14="http://schemas.microsoft.com/office/drawing/2010/main" val="0"/>
+                </a:ext>
+              </a:extLst>
+            </a:blip>
+            <a:srcRect t="-148" r="40758" b="84159"/>
+            <a:stretch/>
+          </p:blipFill>
+          <p:spPr>
+            <a:xfrm>
+              <a:off x="-1333945" y="2465056"/>
+              <a:ext cx="1820112" cy="372763"/>
+            </a:xfrm>
+            <a:prstGeom prst="rect">
+              <a:avLst/>
+            </a:prstGeom>
+          </p:spPr>
+        </p:pic>
+      </p:grpSp>
     </p:spTree>
     <p:extLst>
       <p:ext uri="{BB962C8B-B14F-4D97-AF65-F5344CB8AC3E}">
